--- a/misc docs/Katalon & Other Web automation Tools.pptx
+++ b/misc docs/Katalon & Other Web automation Tools.pptx
@@ -127,6 +127,22 @@
       </a:defRPr>
     </a:lvl9pPr>
   </p:defaultTextStyle>
+  <p:extLst>
+    <p:ext uri="{EFAFB233-063F-42B5-8137-9DF3F51BA10A}">
+      <p15:sldGuideLst xmlns:p15="http://schemas.microsoft.com/office/powerpoint/2012/main">
+        <p15:guide id="1" orient="horz" pos="2160">
+          <p15:clr>
+            <a:srgbClr val="A4A3A4"/>
+          </p15:clr>
+        </p15:guide>
+        <p15:guide id="2" pos="2880">
+          <p15:clr>
+            <a:srgbClr val="A4A3A4"/>
+          </p15:clr>
+        </p15:guide>
+      </p15:sldGuideLst>
+    </p:ext>
+  </p:extLst>
 </p:presentation>
 </file>
 
@@ -168,10 +184,9 @@
           <a:lstStyle/>
           <a:p>
             <a:r>
-              <a:rPr lang="en-US" smtClean="0"/>
+              <a:rPr lang="en-US"/>
               <a:t>Click to edit Master title style</a:t>
             </a:r>
-            <a:endParaRPr lang="en-US"/>
           </a:p>
         </p:txBody>
       </p:sp>
@@ -287,10 +302,9 @@
           </a:lstStyle>
           <a:p>
             <a:r>
-              <a:rPr lang="en-US" smtClean="0"/>
+              <a:rPr lang="en-US"/>
               <a:t>Click to edit Master subtitle style</a:t>
             </a:r>
-            <a:endParaRPr lang="en-US"/>
           </a:p>
         </p:txBody>
       </p:sp>
@@ -311,7 +325,7 @@
           <a:p>
             <a:fld id="{E6576B31-DA5C-4EF9-AF50-748B63850070}" type="datetimeFigureOut">
               <a:rPr lang="en-US" smtClean="0"/>
-              <a:t>2/14/2018</a:t>
+              <a:t>2/13/2023</a:t>
             </a:fld>
             <a:endParaRPr lang="en-US"/>
           </a:p>
@@ -405,10 +419,9 @@
           <a:lstStyle/>
           <a:p>
             <a:r>
-              <a:rPr lang="en-US" smtClean="0"/>
+              <a:rPr lang="en-US"/>
               <a:t>Click to edit Master title style</a:t>
             </a:r>
-            <a:endParaRPr lang="en-US"/>
           </a:p>
         </p:txBody>
       </p:sp>
@@ -429,38 +442,37 @@
           <a:p>
             <a:pPr lvl="0"/>
             <a:r>
-              <a:rPr lang="en-US" smtClean="0"/>
+              <a:rPr lang="en-US"/>
               <a:t>Click to edit Master text styles</a:t>
             </a:r>
           </a:p>
           <a:p>
             <a:pPr lvl="1"/>
             <a:r>
-              <a:rPr lang="en-US" smtClean="0"/>
+              <a:rPr lang="en-US"/>
               <a:t>Second level</a:t>
             </a:r>
           </a:p>
           <a:p>
             <a:pPr lvl="2"/>
             <a:r>
-              <a:rPr lang="en-US" smtClean="0"/>
+              <a:rPr lang="en-US"/>
               <a:t>Third level</a:t>
             </a:r>
           </a:p>
           <a:p>
             <a:pPr lvl="3"/>
             <a:r>
-              <a:rPr lang="en-US" smtClean="0"/>
+              <a:rPr lang="en-US"/>
               <a:t>Fourth level</a:t>
             </a:r>
           </a:p>
           <a:p>
             <a:pPr lvl="4"/>
             <a:r>
-              <a:rPr lang="en-US" smtClean="0"/>
+              <a:rPr lang="en-US"/>
               <a:t>Fifth level</a:t>
             </a:r>
-            <a:endParaRPr lang="en-US"/>
           </a:p>
         </p:txBody>
       </p:sp>
@@ -481,7 +493,7 @@
           <a:p>
             <a:fld id="{E6576B31-DA5C-4EF9-AF50-748B63850070}" type="datetimeFigureOut">
               <a:rPr lang="en-US" smtClean="0"/>
-              <a:t>2/14/2018</a:t>
+              <a:t>2/13/2023</a:t>
             </a:fld>
             <a:endParaRPr lang="en-US"/>
           </a:p>
@@ -580,10 +592,9 @@
           <a:lstStyle/>
           <a:p>
             <a:r>
-              <a:rPr lang="en-US" smtClean="0"/>
+              <a:rPr lang="en-US"/>
               <a:t>Click to edit Master title style</a:t>
             </a:r>
-            <a:endParaRPr lang="en-US"/>
           </a:p>
         </p:txBody>
       </p:sp>
@@ -609,38 +620,37 @@
           <a:p>
             <a:pPr lvl="0"/>
             <a:r>
-              <a:rPr lang="en-US" smtClean="0"/>
+              <a:rPr lang="en-US"/>
               <a:t>Click to edit Master text styles</a:t>
             </a:r>
           </a:p>
           <a:p>
             <a:pPr lvl="1"/>
             <a:r>
-              <a:rPr lang="en-US" smtClean="0"/>
+              <a:rPr lang="en-US"/>
               <a:t>Second level</a:t>
             </a:r>
           </a:p>
           <a:p>
             <a:pPr lvl="2"/>
             <a:r>
-              <a:rPr lang="en-US" smtClean="0"/>
+              <a:rPr lang="en-US"/>
               <a:t>Third level</a:t>
             </a:r>
           </a:p>
           <a:p>
             <a:pPr lvl="3"/>
             <a:r>
-              <a:rPr lang="en-US" smtClean="0"/>
+              <a:rPr lang="en-US"/>
               <a:t>Fourth level</a:t>
             </a:r>
           </a:p>
           <a:p>
             <a:pPr lvl="4"/>
             <a:r>
-              <a:rPr lang="en-US" smtClean="0"/>
+              <a:rPr lang="en-US"/>
               <a:t>Fifth level</a:t>
             </a:r>
-            <a:endParaRPr lang="en-US"/>
           </a:p>
         </p:txBody>
       </p:sp>
@@ -661,7 +671,7 @@
           <a:p>
             <a:fld id="{E6576B31-DA5C-4EF9-AF50-748B63850070}" type="datetimeFigureOut">
               <a:rPr lang="en-US" smtClean="0"/>
-              <a:t>2/14/2018</a:t>
+              <a:t>2/13/2023</a:t>
             </a:fld>
             <a:endParaRPr lang="en-US"/>
           </a:p>
@@ -755,10 +765,9 @@
           <a:lstStyle/>
           <a:p>
             <a:r>
-              <a:rPr lang="en-US" smtClean="0"/>
+              <a:rPr lang="en-US"/>
               <a:t>Click to edit Master title style</a:t>
             </a:r>
-            <a:endParaRPr lang="en-US"/>
           </a:p>
         </p:txBody>
       </p:sp>
@@ -779,38 +788,37 @@
           <a:p>
             <a:pPr lvl="0"/>
             <a:r>
-              <a:rPr lang="en-US" smtClean="0"/>
+              <a:rPr lang="en-US"/>
               <a:t>Click to edit Master text styles</a:t>
             </a:r>
           </a:p>
           <a:p>
             <a:pPr lvl="1"/>
             <a:r>
-              <a:rPr lang="en-US" smtClean="0"/>
+              <a:rPr lang="en-US"/>
               <a:t>Second level</a:t>
             </a:r>
           </a:p>
           <a:p>
             <a:pPr lvl="2"/>
             <a:r>
-              <a:rPr lang="en-US" smtClean="0"/>
+              <a:rPr lang="en-US"/>
               <a:t>Third level</a:t>
             </a:r>
           </a:p>
           <a:p>
             <a:pPr lvl="3"/>
             <a:r>
-              <a:rPr lang="en-US" smtClean="0"/>
+              <a:rPr lang="en-US"/>
               <a:t>Fourth level</a:t>
             </a:r>
           </a:p>
           <a:p>
             <a:pPr lvl="4"/>
             <a:r>
-              <a:rPr lang="en-US" smtClean="0"/>
+              <a:rPr lang="en-US"/>
               <a:t>Fifth level</a:t>
             </a:r>
-            <a:endParaRPr lang="en-US"/>
           </a:p>
         </p:txBody>
       </p:sp>
@@ -831,7 +839,7 @@
           <a:p>
             <a:fld id="{E6576B31-DA5C-4EF9-AF50-748B63850070}" type="datetimeFigureOut">
               <a:rPr lang="en-US" smtClean="0"/>
-              <a:t>2/14/2018</a:t>
+              <a:t>2/13/2023</a:t>
             </a:fld>
             <a:endParaRPr lang="en-US"/>
           </a:p>
@@ -934,10 +942,9 @@
           </a:lstStyle>
           <a:p>
             <a:r>
-              <a:rPr lang="en-US" smtClean="0"/>
+              <a:rPr lang="en-US"/>
               <a:t>Click to edit Master title style</a:t>
             </a:r>
-            <a:endParaRPr lang="en-US"/>
           </a:p>
         </p:txBody>
       </p:sp>
@@ -1054,7 +1061,7 @@
           <a:p>
             <a:pPr lvl="0"/>
             <a:r>
-              <a:rPr lang="en-US" smtClean="0"/>
+              <a:rPr lang="en-US"/>
               <a:t>Click to edit Master text styles</a:t>
             </a:r>
           </a:p>
@@ -1077,7 +1084,7 @@
           <a:p>
             <a:fld id="{E6576B31-DA5C-4EF9-AF50-748B63850070}" type="datetimeFigureOut">
               <a:rPr lang="en-US" smtClean="0"/>
-              <a:t>2/14/2018</a:t>
+              <a:t>2/13/2023</a:t>
             </a:fld>
             <a:endParaRPr lang="en-US"/>
           </a:p>
@@ -1171,10 +1178,9 @@
           <a:lstStyle/>
           <a:p>
             <a:r>
-              <a:rPr lang="en-US" smtClean="0"/>
+              <a:rPr lang="en-US"/>
               <a:t>Click to edit Master title style</a:t>
             </a:r>
-            <a:endParaRPr lang="en-US"/>
           </a:p>
         </p:txBody>
       </p:sp>
@@ -1228,38 +1234,37 @@
           <a:p>
             <a:pPr lvl="0"/>
             <a:r>
-              <a:rPr lang="en-US" smtClean="0"/>
+              <a:rPr lang="en-US"/>
               <a:t>Click to edit Master text styles</a:t>
             </a:r>
           </a:p>
           <a:p>
             <a:pPr lvl="1"/>
             <a:r>
-              <a:rPr lang="en-US" smtClean="0"/>
+              <a:rPr lang="en-US"/>
               <a:t>Second level</a:t>
             </a:r>
           </a:p>
           <a:p>
             <a:pPr lvl="2"/>
             <a:r>
-              <a:rPr lang="en-US" smtClean="0"/>
+              <a:rPr lang="en-US"/>
               <a:t>Third level</a:t>
             </a:r>
           </a:p>
           <a:p>
             <a:pPr lvl="3"/>
             <a:r>
-              <a:rPr lang="en-US" smtClean="0"/>
+              <a:rPr lang="en-US"/>
               <a:t>Fourth level</a:t>
             </a:r>
           </a:p>
           <a:p>
             <a:pPr lvl="4"/>
             <a:r>
-              <a:rPr lang="en-US" smtClean="0"/>
+              <a:rPr lang="en-US"/>
               <a:t>Fifth level</a:t>
             </a:r>
-            <a:endParaRPr lang="en-US"/>
           </a:p>
         </p:txBody>
       </p:sp>
@@ -1313,38 +1318,37 @@
           <a:p>
             <a:pPr lvl="0"/>
             <a:r>
-              <a:rPr lang="en-US" smtClean="0"/>
+              <a:rPr lang="en-US"/>
               <a:t>Click to edit Master text styles</a:t>
             </a:r>
           </a:p>
           <a:p>
             <a:pPr lvl="1"/>
             <a:r>
-              <a:rPr lang="en-US" smtClean="0"/>
+              <a:rPr lang="en-US"/>
               <a:t>Second level</a:t>
             </a:r>
           </a:p>
           <a:p>
             <a:pPr lvl="2"/>
             <a:r>
-              <a:rPr lang="en-US" smtClean="0"/>
+              <a:rPr lang="en-US"/>
               <a:t>Third level</a:t>
             </a:r>
           </a:p>
           <a:p>
             <a:pPr lvl="3"/>
             <a:r>
-              <a:rPr lang="en-US" smtClean="0"/>
+              <a:rPr lang="en-US"/>
               <a:t>Fourth level</a:t>
             </a:r>
           </a:p>
           <a:p>
             <a:pPr lvl="4"/>
             <a:r>
-              <a:rPr lang="en-US" smtClean="0"/>
+              <a:rPr lang="en-US"/>
               <a:t>Fifth level</a:t>
             </a:r>
-            <a:endParaRPr lang="en-US"/>
           </a:p>
         </p:txBody>
       </p:sp>
@@ -1365,7 +1369,7 @@
           <a:p>
             <a:fld id="{E6576B31-DA5C-4EF9-AF50-748B63850070}" type="datetimeFigureOut">
               <a:rPr lang="en-US" smtClean="0"/>
-              <a:t>2/14/2018</a:t>
+              <a:t>2/13/2023</a:t>
             </a:fld>
             <a:endParaRPr lang="en-US"/>
           </a:p>
@@ -1463,10 +1467,9 @@
           </a:lstStyle>
           <a:p>
             <a:r>
-              <a:rPr lang="en-US" smtClean="0"/>
+              <a:rPr lang="en-US"/>
               <a:t>Click to edit Master title style</a:t>
             </a:r>
-            <a:endParaRPr lang="en-US"/>
           </a:p>
         </p:txBody>
       </p:sp>
@@ -1529,7 +1532,7 @@
           <a:p>
             <a:pPr lvl="0"/>
             <a:r>
-              <a:rPr lang="en-US" smtClean="0"/>
+              <a:rPr lang="en-US"/>
               <a:t>Click to edit Master text styles</a:t>
             </a:r>
           </a:p>
@@ -1585,38 +1588,37 @@
           <a:p>
             <a:pPr lvl="0"/>
             <a:r>
-              <a:rPr lang="en-US" smtClean="0"/>
+              <a:rPr lang="en-US"/>
               <a:t>Click to edit Master text styles</a:t>
             </a:r>
           </a:p>
           <a:p>
             <a:pPr lvl="1"/>
             <a:r>
-              <a:rPr lang="en-US" smtClean="0"/>
+              <a:rPr lang="en-US"/>
               <a:t>Second level</a:t>
             </a:r>
           </a:p>
           <a:p>
             <a:pPr lvl="2"/>
             <a:r>
-              <a:rPr lang="en-US" smtClean="0"/>
+              <a:rPr lang="en-US"/>
               <a:t>Third level</a:t>
             </a:r>
           </a:p>
           <a:p>
             <a:pPr lvl="3"/>
             <a:r>
-              <a:rPr lang="en-US" smtClean="0"/>
+              <a:rPr lang="en-US"/>
               <a:t>Fourth level</a:t>
             </a:r>
           </a:p>
           <a:p>
             <a:pPr lvl="4"/>
             <a:r>
-              <a:rPr lang="en-US" smtClean="0"/>
+              <a:rPr lang="en-US"/>
               <a:t>Fifth level</a:t>
             </a:r>
-            <a:endParaRPr lang="en-US"/>
           </a:p>
         </p:txBody>
       </p:sp>
@@ -1679,7 +1681,7 @@
           <a:p>
             <a:pPr lvl="0"/>
             <a:r>
-              <a:rPr lang="en-US" smtClean="0"/>
+              <a:rPr lang="en-US"/>
               <a:t>Click to edit Master text styles</a:t>
             </a:r>
           </a:p>
@@ -1735,38 +1737,37 @@
           <a:p>
             <a:pPr lvl="0"/>
             <a:r>
-              <a:rPr lang="en-US" smtClean="0"/>
+              <a:rPr lang="en-US"/>
               <a:t>Click to edit Master text styles</a:t>
             </a:r>
           </a:p>
           <a:p>
             <a:pPr lvl="1"/>
             <a:r>
-              <a:rPr lang="en-US" smtClean="0"/>
+              <a:rPr lang="en-US"/>
               <a:t>Second level</a:t>
             </a:r>
           </a:p>
           <a:p>
             <a:pPr lvl="2"/>
             <a:r>
-              <a:rPr lang="en-US" smtClean="0"/>
+              <a:rPr lang="en-US"/>
               <a:t>Third level</a:t>
             </a:r>
           </a:p>
           <a:p>
             <a:pPr lvl="3"/>
             <a:r>
-              <a:rPr lang="en-US" smtClean="0"/>
+              <a:rPr lang="en-US"/>
               <a:t>Fourth level</a:t>
             </a:r>
           </a:p>
           <a:p>
             <a:pPr lvl="4"/>
             <a:r>
-              <a:rPr lang="en-US" smtClean="0"/>
+              <a:rPr lang="en-US"/>
               <a:t>Fifth level</a:t>
             </a:r>
-            <a:endParaRPr lang="en-US"/>
           </a:p>
         </p:txBody>
       </p:sp>
@@ -1787,7 +1788,7 @@
           <a:p>
             <a:fld id="{E6576B31-DA5C-4EF9-AF50-748B63850070}" type="datetimeFigureOut">
               <a:rPr lang="en-US" smtClean="0"/>
-              <a:t>2/14/2018</a:t>
+              <a:t>2/13/2023</a:t>
             </a:fld>
             <a:endParaRPr lang="en-US"/>
           </a:p>
@@ -1881,10 +1882,9 @@
           <a:lstStyle/>
           <a:p>
             <a:r>
-              <a:rPr lang="en-US" smtClean="0"/>
+              <a:rPr lang="en-US"/>
               <a:t>Click to edit Master title style</a:t>
             </a:r>
-            <a:endParaRPr lang="en-US"/>
           </a:p>
         </p:txBody>
       </p:sp>
@@ -1905,7 +1905,7 @@
           <a:p>
             <a:fld id="{E6576B31-DA5C-4EF9-AF50-748B63850070}" type="datetimeFigureOut">
               <a:rPr lang="en-US" smtClean="0"/>
-              <a:t>2/14/2018</a:t>
+              <a:t>2/13/2023</a:t>
             </a:fld>
             <a:endParaRPr lang="en-US"/>
           </a:p>
@@ -2000,7 +2000,7 @@
           <a:p>
             <a:fld id="{E6576B31-DA5C-4EF9-AF50-748B63850070}" type="datetimeFigureOut">
               <a:rPr lang="en-US" smtClean="0"/>
-              <a:t>2/14/2018</a:t>
+              <a:t>2/13/2023</a:t>
             </a:fld>
             <a:endParaRPr lang="en-US"/>
           </a:p>
@@ -2103,10 +2103,9 @@
           </a:lstStyle>
           <a:p>
             <a:r>
-              <a:rPr lang="en-US" smtClean="0"/>
+              <a:rPr lang="en-US"/>
               <a:t>Click to edit Master title style</a:t>
             </a:r>
-            <a:endParaRPr lang="en-US"/>
           </a:p>
         </p:txBody>
       </p:sp>
@@ -2160,38 +2159,37 @@
           <a:p>
             <a:pPr lvl="0"/>
             <a:r>
-              <a:rPr lang="en-US" smtClean="0"/>
+              <a:rPr lang="en-US"/>
               <a:t>Click to edit Master text styles</a:t>
             </a:r>
           </a:p>
           <a:p>
             <a:pPr lvl="1"/>
             <a:r>
-              <a:rPr lang="en-US" smtClean="0"/>
+              <a:rPr lang="en-US"/>
               <a:t>Second level</a:t>
             </a:r>
           </a:p>
           <a:p>
             <a:pPr lvl="2"/>
             <a:r>
-              <a:rPr lang="en-US" smtClean="0"/>
+              <a:rPr lang="en-US"/>
               <a:t>Third level</a:t>
             </a:r>
           </a:p>
           <a:p>
             <a:pPr lvl="3"/>
             <a:r>
-              <a:rPr lang="en-US" smtClean="0"/>
+              <a:rPr lang="en-US"/>
               <a:t>Fourth level</a:t>
             </a:r>
           </a:p>
           <a:p>
             <a:pPr lvl="4"/>
             <a:r>
-              <a:rPr lang="en-US" smtClean="0"/>
+              <a:rPr lang="en-US"/>
               <a:t>Fifth level</a:t>
             </a:r>
-            <a:endParaRPr lang="en-US"/>
           </a:p>
         </p:txBody>
       </p:sp>
@@ -2254,7 +2252,7 @@
           <a:p>
             <a:pPr lvl="0"/>
             <a:r>
-              <a:rPr lang="en-US" smtClean="0"/>
+              <a:rPr lang="en-US"/>
               <a:t>Click to edit Master text styles</a:t>
             </a:r>
           </a:p>
@@ -2277,7 +2275,7 @@
           <a:p>
             <a:fld id="{E6576B31-DA5C-4EF9-AF50-748B63850070}" type="datetimeFigureOut">
               <a:rPr lang="en-US" smtClean="0"/>
-              <a:t>2/14/2018</a:t>
+              <a:t>2/13/2023</a:t>
             </a:fld>
             <a:endParaRPr lang="en-US"/>
           </a:p>
@@ -2380,10 +2378,9 @@
           </a:lstStyle>
           <a:p>
             <a:r>
-              <a:rPr lang="en-US" smtClean="0"/>
+              <a:rPr lang="en-US"/>
               <a:t>Click to edit Master title style</a:t>
             </a:r>
-            <a:endParaRPr lang="en-US"/>
           </a:p>
         </p:txBody>
       </p:sp>
@@ -2507,7 +2504,7 @@
           <a:p>
             <a:pPr lvl="0"/>
             <a:r>
-              <a:rPr lang="en-US" smtClean="0"/>
+              <a:rPr lang="en-US"/>
               <a:t>Click to edit Master text styles</a:t>
             </a:r>
           </a:p>
@@ -2530,7 +2527,7 @@
           <a:p>
             <a:fld id="{E6576B31-DA5C-4EF9-AF50-748B63850070}" type="datetimeFigureOut">
               <a:rPr lang="en-US" smtClean="0"/>
-              <a:t>2/14/2018</a:t>
+              <a:t>2/13/2023</a:t>
             </a:fld>
             <a:endParaRPr lang="en-US"/>
           </a:p>
@@ -2639,10 +2636,9 @@
           <a:lstStyle/>
           <a:p>
             <a:r>
-              <a:rPr lang="en-US" smtClean="0"/>
+              <a:rPr lang="en-US"/>
               <a:t>Click to edit Master title style</a:t>
             </a:r>
-            <a:endParaRPr lang="en-US"/>
           </a:p>
         </p:txBody>
       </p:sp>
@@ -2673,38 +2669,37 @@
           <a:p>
             <a:pPr lvl="0"/>
             <a:r>
-              <a:rPr lang="en-US" smtClean="0"/>
+              <a:rPr lang="en-US"/>
               <a:t>Click to edit Master text styles</a:t>
             </a:r>
           </a:p>
           <a:p>
             <a:pPr lvl="1"/>
             <a:r>
-              <a:rPr lang="en-US" smtClean="0"/>
+              <a:rPr lang="en-US"/>
               <a:t>Second level</a:t>
             </a:r>
           </a:p>
           <a:p>
             <a:pPr lvl="2"/>
             <a:r>
-              <a:rPr lang="en-US" smtClean="0"/>
+              <a:rPr lang="en-US"/>
               <a:t>Third level</a:t>
             </a:r>
           </a:p>
           <a:p>
             <a:pPr lvl="3"/>
             <a:r>
-              <a:rPr lang="en-US" smtClean="0"/>
+              <a:rPr lang="en-US"/>
               <a:t>Fourth level</a:t>
             </a:r>
           </a:p>
           <a:p>
             <a:pPr lvl="4"/>
             <a:r>
-              <a:rPr lang="en-US" smtClean="0"/>
+              <a:rPr lang="en-US"/>
               <a:t>Fifth level</a:t>
             </a:r>
-            <a:endParaRPr lang="en-US"/>
           </a:p>
         </p:txBody>
       </p:sp>
@@ -2743,7 +2738,7 @@
           <a:p>
             <a:fld id="{E6576B31-DA5C-4EF9-AF50-748B63850070}" type="datetimeFigureOut">
               <a:rPr lang="en-US" smtClean="0"/>
-              <a:t>2/14/2018</a:t>
+              <a:t>2/13/2023</a:t>
             </a:fld>
             <a:endParaRPr lang="en-US"/>
           </a:p>
@@ -3264,13 +3259,6 @@
   <p:clrMapOvr>
     <a:masterClrMapping/>
   </p:clrMapOvr>
-  <p:timing>
-    <p:tnLst>
-      <p:par>
-        <p:cTn id="1" dur="indefinite" restart="never" nodeType="tmRoot"/>
-      </p:par>
-    </p:tnLst>
-  </p:timing>
 </p:sld>
 </file>
 
@@ -3355,13 +3343,6 @@
   <p:clrMapOvr>
     <a:masterClrMapping/>
   </p:clrMapOvr>
-  <p:timing>
-    <p:tnLst>
-      <p:par>
-        <p:cTn id="1" dur="indefinite" restart="never" nodeType="tmRoot"/>
-      </p:par>
-    </p:tnLst>
-  </p:timing>
 </p:sld>
 </file>
 
@@ -3554,13 +3535,6 @@
   <p:clrMapOvr>
     <a:masterClrMapping/>
   </p:clrMapOvr>
-  <p:timing>
-    <p:tnLst>
-      <p:par>
-        <p:cTn id="1" dur="indefinite" restart="never" nodeType="tmRoot"/>
-      </p:par>
-    </p:tnLst>
-  </p:timing>
 </p:sld>
 </file>
 
@@ -3645,13 +3619,6 @@
   <p:clrMapOvr>
     <a:masterClrMapping/>
   </p:clrMapOvr>
-  <p:timing>
-    <p:tnLst>
-      <p:par>
-        <p:cTn id="1" dur="indefinite" restart="never" nodeType="tmRoot"/>
-      </p:par>
-    </p:tnLst>
-  </p:timing>
 </p:sld>
 </file>
 
@@ -3736,13 +3703,6 @@
   <p:clrMapOvr>
     <a:masterClrMapping/>
   </p:clrMapOvr>
-  <p:timing>
-    <p:tnLst>
-      <p:par>
-        <p:cTn id="1" dur="indefinite" restart="never" nodeType="tmRoot"/>
-      </p:par>
-    </p:tnLst>
-  </p:timing>
 </p:sld>
 </file>
 
@@ -4505,55 +4465,54 @@
           <a:lstStyle/>
           <a:p>
             <a:r>
-              <a:rPr lang="en-US" sz="2800" b="1" dirty="0" smtClean="0"/>
+              <a:rPr lang="en-US" sz="2800" b="1" dirty="0"/>
               <a:t>Agenda</a:t>
             </a:r>
           </a:p>
           <a:p>
-            <a:endParaRPr lang="en-US" sz="3600" b="1" dirty="0" smtClean="0"/>
-          </a:p>
-          <a:p>
-            <a:r>
-              <a:rPr lang="en-US" sz="2800" dirty="0" smtClean="0"/>
+            <a:endParaRPr lang="en-US" sz="3600" b="1" dirty="0"/>
+          </a:p>
+          <a:p>
+            <a:r>
+              <a:rPr lang="en-US" sz="2800" dirty="0"/>
               <a:t>Testing Categories - High Level</a:t>
             </a:r>
           </a:p>
           <a:p>
-            <a:endParaRPr lang="en-US" sz="2800" dirty="0" smtClean="0"/>
-          </a:p>
-          <a:p>
-            <a:r>
-              <a:rPr lang="en-US" sz="2800" dirty="0" smtClean="0"/>
+            <a:endParaRPr lang="en-US" sz="2800" dirty="0"/>
+          </a:p>
+          <a:p>
+            <a:r>
+              <a:rPr lang="en-US" sz="2800" dirty="0"/>
               <a:t>Testing Detailed Classifications</a:t>
             </a:r>
           </a:p>
           <a:p>
-            <a:endParaRPr lang="en-US" sz="2800" dirty="0" smtClean="0"/>
-          </a:p>
-          <a:p>
-            <a:r>
-              <a:rPr lang="en-US" sz="2800" dirty="0" smtClean="0"/>
+            <a:endParaRPr lang="en-US" sz="2800" dirty="0"/>
+          </a:p>
+          <a:p>
+            <a:r>
+              <a:rPr lang="en-US" sz="2800" dirty="0"/>
               <a:t>Tools(100 +)</a:t>
             </a:r>
           </a:p>
           <a:p>
-            <a:endParaRPr lang="en-US" sz="2800" dirty="0" smtClean="0"/>
-          </a:p>
-          <a:p>
-            <a:r>
-              <a:rPr lang="en-US" sz="2800" dirty="0" smtClean="0"/>
+            <a:endParaRPr lang="en-US" sz="2800" dirty="0"/>
+          </a:p>
+          <a:p>
+            <a:r>
+              <a:rPr lang="en-US" sz="2800" dirty="0"/>
               <a:t>Analytics on Top 5</a:t>
             </a:r>
           </a:p>
           <a:p>
-            <a:endParaRPr lang="en-US" sz="2800" dirty="0" smtClean="0"/>
-          </a:p>
-          <a:p>
-            <a:r>
-              <a:rPr lang="en-US" sz="2800" dirty="0" smtClean="0"/>
+            <a:endParaRPr lang="en-US" sz="2800" dirty="0"/>
+          </a:p>
+          <a:p>
+            <a:r>
+              <a:rPr lang="en-US" sz="2800" dirty="0"/>
               <a:t>Top 10 - Tools in Detail</a:t>
             </a:r>
-            <a:endParaRPr lang="en-US" sz="2800" dirty="0"/>
           </a:p>
         </p:txBody>
       </p:sp>
@@ -4567,13 +4526,6 @@
   <p:clrMapOvr>
     <a:masterClrMapping/>
   </p:clrMapOvr>
-  <p:timing>
-    <p:tnLst>
-      <p:par>
-        <p:cTn id="1" dur="indefinite" restart="never" nodeType="tmRoot"/>
-      </p:par>
-    </p:tnLst>
-  </p:timing>
 </p:sld>
 </file>
 
@@ -5351,13 +5303,6 @@
   <p:clrMapOvr>
     <a:masterClrMapping/>
   </p:clrMapOvr>
-  <p:timing>
-    <p:tnLst>
-      <p:par>
-        <p:cTn id="1" dur="indefinite" restart="never" nodeType="tmRoot"/>
-      </p:par>
-    </p:tnLst>
-  </p:timing>
 </p:sld>
 </file>
 
@@ -5507,13 +5452,6 @@
   <p:clrMapOvr>
     <a:masterClrMapping/>
   </p:clrMapOvr>
-  <p:timing>
-    <p:tnLst>
-      <p:par>
-        <p:cTn id="1" dur="indefinite" restart="never" nodeType="tmRoot"/>
-      </p:par>
-    </p:tnLst>
-  </p:timing>
 </p:sld>
 </file>
 
@@ -5585,13 +5523,6 @@
   <p:clrMapOvr>
     <a:masterClrMapping/>
   </p:clrMapOvr>
-  <p:timing>
-    <p:tnLst>
-      <p:par>
-        <p:cTn id="1" dur="indefinite" restart="never" nodeType="tmRoot"/>
-      </p:par>
-    </p:tnLst>
-  </p:timing>
 </p:sld>
 </file>
 
@@ -5676,13 +5607,6 @@
   <p:clrMapOvr>
     <a:masterClrMapping/>
   </p:clrMapOvr>
-  <p:timing>
-    <p:tnLst>
-      <p:par>
-        <p:cTn id="1" dur="indefinite" restart="never" nodeType="tmRoot"/>
-      </p:par>
-    </p:tnLst>
-  </p:timing>
 </p:sld>
 </file>
 
@@ -5705,56 +5629,32 @@
       </p:grpSpPr>
       <p:pic>
         <p:nvPicPr>
-          <p:cNvPr id="3074" name="Picture 2"/>
+          <p:cNvPr id="3" name="Picture 2">
+            <a:extLst>
+              <a:ext uri="{FF2B5EF4-FFF2-40B4-BE49-F238E27FC236}">
+                <a16:creationId xmlns:a16="http://schemas.microsoft.com/office/drawing/2014/main" id="{C308B39E-3A21-6B52-FE59-E551F6730764}"/>
+              </a:ext>
+            </a:extLst>
+          </p:cNvPr>
           <p:cNvPicPr>
-            <a:picLocks noChangeAspect="1" noChangeArrowheads="1"/>
+            <a:picLocks noChangeAspect="1"/>
           </p:cNvPicPr>
           <p:nvPr/>
         </p:nvPicPr>
         <p:blipFill>
-          <a:blip r:embed="rId2">
-            <a:extLst>
-              <a:ext uri="{28A0092B-C50C-407E-A947-70E740481C1C}">
-                <a14:useLocalDpi xmlns:a14="http://schemas.microsoft.com/office/drawing/2010/main" val="0"/>
-              </a:ext>
-            </a:extLst>
-          </a:blip>
-          <a:srcRect/>
+          <a:blip r:embed="rId2"/>
           <a:stretch>
             <a:fillRect/>
           </a:stretch>
         </p:blipFill>
-        <p:spPr bwMode="auto">
-          <a:xfrm>
-            <a:off x="96539" y="838200"/>
-            <a:ext cx="8971261" cy="5410200"/>
+        <p:spPr>
+          <a:xfrm>
+            <a:off x="95250" y="1581150"/>
+            <a:ext cx="8953500" cy="3695700"/>
           </a:xfrm>
           <a:prstGeom prst="rect">
             <a:avLst/>
           </a:prstGeom>
-          <a:noFill/>
-          <a:ln>
-            <a:noFill/>
-          </a:ln>
-          <a:extLst>
-            <a:ext uri="{909E8E84-426E-40DD-AFC4-6F175D3DCCD1}">
-              <a14:hiddenFill xmlns:a14="http://schemas.microsoft.com/office/drawing/2010/main">
-                <a:solidFill>
-                  <a:schemeClr val="accent1"/>
-                </a:solidFill>
-              </a14:hiddenFill>
-            </a:ext>
-            <a:ext uri="{91240B29-F687-4F45-9708-019B960494DF}">
-              <a14:hiddenLine xmlns:a14="http://schemas.microsoft.com/office/drawing/2010/main" w="9525">
-                <a:solidFill>
-                  <a:schemeClr val="tx1"/>
-                </a:solidFill>
-                <a:miter lim="800000"/>
-                <a:headEnd/>
-                <a:tailEnd/>
-              </a14:hiddenLine>
-            </a:ext>
-          </a:extLst>
         </p:spPr>
       </p:pic>
     </p:spTree>
@@ -5767,13 +5667,6 @@
   <p:clrMapOvr>
     <a:masterClrMapping/>
   </p:clrMapOvr>
-  <p:timing>
-    <p:tnLst>
-      <p:par>
-        <p:cTn id="1" dur="indefinite" restart="never" nodeType="tmRoot"/>
-      </p:par>
-    </p:tnLst>
-  </p:timing>
 </p:sld>
 </file>
 
@@ -5912,13 +5805,6 @@
   <p:clrMapOvr>
     <a:masterClrMapping/>
   </p:clrMapOvr>
-  <p:timing>
-    <p:tnLst>
-      <p:par>
-        <p:cTn id="1" dur="indefinite" restart="never" nodeType="tmRoot"/>
-      </p:par>
-    </p:tnLst>
-  </p:timing>
 </p:sld>
 </file>
 
@@ -6057,13 +5943,6 @@
   <p:clrMapOvr>
     <a:masterClrMapping/>
   </p:clrMapOvr>
-  <p:timing>
-    <p:tnLst>
-      <p:par>
-        <p:cTn id="1" dur="indefinite" restart="never" nodeType="tmRoot"/>
-      </p:par>
-    </p:tnLst>
-  </p:timing>
 </p:sld>
 </file>
 
